--- a/B_Fiches_Protocoles/ProblemesSouleves.pptx
+++ b/B_Fiches_Protocoles/ProblemesSouleves.pptx
@@ -7,8 +7,9 @@
   <p:sldIdLst>
     <p:sldId id="256" r:id="rId2"/>
     <p:sldId id="273" r:id="rId3"/>
-    <p:sldId id="272" r:id="rId4"/>
-    <p:sldId id="274" r:id="rId5"/>
+    <p:sldId id="275" r:id="rId4"/>
+    <p:sldId id="272" r:id="rId5"/>
+    <p:sldId id="274" r:id="rId6"/>
   </p:sldIdLst>
   <p:sldSz cx="12192000" cy="6858000"/>
   <p:notesSz cx="6858000" cy="9144000"/>
@@ -247,7 +248,7 @@
           <a:p>
             <a:fld id="{1A3D9B3B-1EC8-4BC4-B783-7630517B3190}" type="datetimeFigureOut">
               <a:rPr lang="fr-FR" smtClean="0"/>
-              <a:t>04/03/2022</a:t>
+              <a:t>12/03/2022</a:t>
             </a:fld>
             <a:endParaRPr lang="fr-FR"/>
           </a:p>
@@ -656,7 +657,7 @@
           <a:p>
             <a:fld id="{1A3D9B3B-1EC8-4BC4-B783-7630517B3190}" type="datetimeFigureOut">
               <a:rPr lang="fr-FR" smtClean="0"/>
-              <a:t>04/03/2022</a:t>
+              <a:t>12/03/2022</a:t>
             </a:fld>
             <a:endParaRPr lang="fr-FR"/>
           </a:p>
@@ -842,7 +843,7 @@
           <a:p>
             <a:fld id="{1A3D9B3B-1EC8-4BC4-B783-7630517B3190}" type="datetimeFigureOut">
               <a:rPr lang="fr-FR" smtClean="0"/>
-              <a:t>04/03/2022</a:t>
+              <a:t>12/03/2022</a:t>
             </a:fld>
             <a:endParaRPr lang="fr-FR"/>
           </a:p>
@@ -1018,7 +1019,7 @@
           <a:p>
             <a:fld id="{1A3D9B3B-1EC8-4BC4-B783-7630517B3190}" type="datetimeFigureOut">
               <a:rPr lang="fr-FR" smtClean="0"/>
-              <a:t>04/03/2022</a:t>
+              <a:t>12/03/2022</a:t>
             </a:fld>
             <a:endParaRPr lang="fr-FR"/>
           </a:p>
@@ -1317,7 +1318,7 @@
           <a:p>
             <a:fld id="{1A3D9B3B-1EC8-4BC4-B783-7630517B3190}" type="datetimeFigureOut">
               <a:rPr lang="fr-FR" smtClean="0"/>
-              <a:t>04/03/2022</a:t>
+              <a:t>12/03/2022</a:t>
             </a:fld>
             <a:endParaRPr lang="fr-FR"/>
           </a:p>
@@ -1554,7 +1555,7 @@
           <a:p>
             <a:fld id="{1A3D9B3B-1EC8-4BC4-B783-7630517B3190}" type="datetimeFigureOut">
               <a:rPr lang="fr-FR" smtClean="0"/>
-              <a:t>04/03/2022</a:t>
+              <a:t>12/03/2022</a:t>
             </a:fld>
             <a:endParaRPr lang="fr-FR"/>
           </a:p>
@@ -1972,7 +1973,7 @@
           <a:p>
             <a:fld id="{1A3D9B3B-1EC8-4BC4-B783-7630517B3190}" type="datetimeFigureOut">
               <a:rPr lang="fr-FR" smtClean="0"/>
-              <a:t>04/03/2022</a:t>
+              <a:t>12/03/2022</a:t>
             </a:fld>
             <a:endParaRPr lang="fr-FR"/>
           </a:p>
@@ -2097,7 +2098,7 @@
           <a:p>
             <a:fld id="{1A3D9B3B-1EC8-4BC4-B783-7630517B3190}" type="datetimeFigureOut">
               <a:rPr lang="fr-FR" smtClean="0"/>
-              <a:t>04/03/2022</a:t>
+              <a:t>12/03/2022</a:t>
             </a:fld>
             <a:endParaRPr lang="fr-FR"/>
           </a:p>
@@ -2246,7 +2247,7 @@
           <a:p>
             <a:fld id="{1A3D9B3B-1EC8-4BC4-B783-7630517B3190}" type="datetimeFigureOut">
               <a:rPr lang="fr-FR" smtClean="0"/>
-              <a:t>04/03/2022</a:t>
+              <a:t>12/03/2022</a:t>
             </a:fld>
             <a:endParaRPr lang="fr-FR"/>
           </a:p>
@@ -2529,7 +2530,7 @@
           <a:p>
             <a:fld id="{1A3D9B3B-1EC8-4BC4-B783-7630517B3190}" type="datetimeFigureOut">
               <a:rPr lang="fr-FR" smtClean="0"/>
-              <a:t>04/03/2022</a:t>
+              <a:t>12/03/2022</a:t>
             </a:fld>
             <a:endParaRPr lang="fr-FR"/>
           </a:p>
@@ -2789,7 +2790,7 @@
           <a:p>
             <a:fld id="{1A3D9B3B-1EC8-4BC4-B783-7630517B3190}" type="datetimeFigureOut">
               <a:rPr lang="fr-FR" smtClean="0"/>
-              <a:t>04/03/2022</a:t>
+              <a:t>12/03/2022</a:t>
             </a:fld>
             <a:endParaRPr lang="fr-FR"/>
           </a:p>
@@ -3009,7 +3010,7 @@
             <a:fld id="{1A3D9B3B-1EC8-4BC4-B783-7630517B3190}" type="datetimeFigureOut">
               <a:rPr lang="fr-FR" smtClean="0"/>
               <a:pPr/>
-              <a:t>04/03/2022</a:t>
+              <a:t>12/03/2022</a:t>
             </a:fld>
             <a:endParaRPr lang="fr-FR"/>
           </a:p>
@@ -3451,12 +3452,8 @@
           <a:lstStyle/>
           <a:p>
             <a:r>
-              <a:rPr lang="fr-FR" dirty="0" smtClean="0"/>
-              <a:t>Retour sur quelques questions en </a:t>
-            </a:r>
-            <a:r>
               <a:rPr lang="fr-FR" dirty="0"/>
-              <a:t>Travaux Pratiques</a:t>
+              <a:t>Retour sur quelques questions en Travaux Pratiques</a:t>
             </a:r>
           </a:p>
         </p:txBody>
@@ -3526,10 +3523,9 @@
           <a:lstStyle/>
           <a:p>
             <a:r>
-              <a:rPr lang="fr-FR" dirty="0" smtClean="0"/>
+              <a:rPr lang="fr-FR" dirty="0"/>
               <a:t>Bloc Convertir</a:t>
             </a:r>
-            <a:endParaRPr lang="fr-FR" dirty="0"/>
           </a:p>
         </p:txBody>
       </p:sp>
@@ -3549,13 +3545,13 @@
           <a:lstStyle/>
           <a:p>
             <a:r>
-              <a:rPr lang="fr-FR" dirty="0" smtClean="0"/>
+              <a:rPr lang="fr-FR" dirty="0"/>
               <a:t>Moteur à courant continu</a:t>
             </a:r>
           </a:p>
           <a:p>
             <a:r>
-              <a:rPr lang="fr-FR" dirty="0" smtClean="0"/>
+              <a:rPr lang="fr-FR" dirty="0"/>
               <a:t>Moteur triphasé</a:t>
             </a:r>
           </a:p>
@@ -3599,7 +3595,13 @@
       </p:grpSpPr>
       <p:sp>
         <p:nvSpPr>
-          <p:cNvPr id="2" name="Titre 1"/>
+          <p:cNvPr id="2" name="Titre 1">
+            <a:extLst>
+              <a:ext uri="{FF2B5EF4-FFF2-40B4-BE49-F238E27FC236}">
+                <a16:creationId xmlns:a16="http://schemas.microsoft.com/office/drawing/2014/main" id="{70A4E35D-91EA-4E58-A69E-164C81C17858}"/>
+              </a:ext>
+            </a:extLst>
+          </p:cNvPr>
           <p:cNvSpPr>
             <a:spLocks noGrp="1"/>
           </p:cNvSpPr>
@@ -3613,16 +3615,21 @@
           <a:lstStyle/>
           <a:p>
             <a:r>
-              <a:rPr lang="fr-FR" dirty="0" smtClean="0"/>
-              <a:t>Bloc Alimenter</a:t>
-            </a:r>
-            <a:endParaRPr lang="fr-FR" dirty="0"/>
-          </a:p>
-        </p:txBody>
-      </p:sp>
-      <p:sp>
-        <p:nvSpPr>
-          <p:cNvPr id="3" name="Espace réservé du contenu 2"/>
+              <a:rPr lang="fr-FR" dirty="0"/>
+              <a:t>Bloc acquérir</a:t>
+            </a:r>
+          </a:p>
+        </p:txBody>
+      </p:sp>
+      <p:sp>
+        <p:nvSpPr>
+          <p:cNvPr id="3" name="Espace réservé du contenu 2">
+            <a:extLst>
+              <a:ext uri="{FF2B5EF4-FFF2-40B4-BE49-F238E27FC236}">
+                <a16:creationId xmlns:a16="http://schemas.microsoft.com/office/drawing/2014/main" id="{A6FCE5F8-8826-4101-BFA4-6E439F6DC61D}"/>
+              </a:ext>
+            </a:extLst>
+          </p:cNvPr>
           <p:cNvSpPr>
             <a:spLocks noGrp="1"/>
           </p:cNvSpPr>
@@ -3636,9 +3643,30 @@
           <a:lstStyle/>
           <a:p>
             <a:r>
-              <a:rPr lang="fr-FR" dirty="0" smtClean="0"/>
-              <a:t>Caractéristiques de la tension du secteur</a:t>
-            </a:r>
+              <a:rPr lang="fr-FR" dirty="0"/>
+              <a:t>Mesure de position </a:t>
+            </a:r>
+          </a:p>
+          <a:p>
+            <a:pPr lvl="1"/>
+            <a:r>
+              <a:rPr lang="fr-FR" dirty="0"/>
+              <a:t>Potentiomètre angulaire/rotatif</a:t>
+            </a:r>
+          </a:p>
+          <a:p>
+            <a:pPr lvl="1"/>
+            <a:r>
+              <a:rPr lang="fr-FR" dirty="0"/>
+              <a:t>Codeur incrémental</a:t>
+            </a:r>
+          </a:p>
+          <a:p>
+            <a:pPr lvl="1"/>
+            <a:endParaRPr lang="fr-FR"/>
+          </a:p>
+          <a:p>
+            <a:pPr lvl="1"/>
             <a:endParaRPr lang="fr-FR" dirty="0"/>
           </a:p>
         </p:txBody>
@@ -3646,7 +3674,7 @@
     </p:spTree>
     <p:extLst>
       <p:ext uri="{BB962C8B-B14F-4D97-AF65-F5344CB8AC3E}">
-        <p14:creationId xmlns:p14="http://schemas.microsoft.com/office/powerpoint/2010/main" val="189293414"/>
+        <p14:creationId xmlns:p14="http://schemas.microsoft.com/office/powerpoint/2010/main" val="3721715336"/>
       </p:ext>
     </p:extLst>
   </p:cSld>
@@ -3689,42 +3717,114 @@
           <a:lstStyle/>
           <a:p>
             <a:r>
-              <a:rPr lang="fr-FR" dirty="0" smtClean="0"/>
+              <a:rPr lang="fr-FR" dirty="0"/>
+              <a:t>Bloc Alimenter</a:t>
+            </a:r>
+          </a:p>
+        </p:txBody>
+      </p:sp>
+      <p:sp>
+        <p:nvSpPr>
+          <p:cNvPr id="3" name="Espace réservé du contenu 2"/>
+          <p:cNvSpPr>
+            <a:spLocks noGrp="1"/>
+          </p:cNvSpPr>
+          <p:nvPr>
+            <p:ph idx="1"/>
+          </p:nvPr>
+        </p:nvSpPr>
+        <p:spPr/>
+        <p:txBody>
+          <a:bodyPr/>
+          <a:lstStyle/>
+          <a:p>
+            <a:r>
+              <a:rPr lang="fr-FR" dirty="0"/>
+              <a:t>Caractéristiques de la tension du secteur</a:t>
+            </a:r>
+          </a:p>
+        </p:txBody>
+      </p:sp>
+    </p:spTree>
+    <p:extLst>
+      <p:ext uri="{BB962C8B-B14F-4D97-AF65-F5344CB8AC3E}">
+        <p14:creationId xmlns:p14="http://schemas.microsoft.com/office/powerpoint/2010/main" val="189293414"/>
+      </p:ext>
+    </p:extLst>
+  </p:cSld>
+  <p:clrMapOvr>
+    <a:masterClrMapping/>
+  </p:clrMapOvr>
+</p:sld>
+</file>
+
+<file path=ppt/slides/slide5.xml><?xml version="1.0" encoding="utf-8"?>
+<p:sld xmlns:a="http://schemas.openxmlformats.org/drawingml/2006/main" xmlns:r="http://schemas.openxmlformats.org/officeDocument/2006/relationships" xmlns:p="http://schemas.openxmlformats.org/presentationml/2006/main">
+  <p:cSld>
+    <p:spTree>
+      <p:nvGrpSpPr>
+        <p:cNvPr id="1" name=""/>
+        <p:cNvGrpSpPr/>
+        <p:nvPr/>
+      </p:nvGrpSpPr>
+      <p:grpSpPr>
+        <a:xfrm>
+          <a:off x="0" y="0"/>
+          <a:ext cx="0" cy="0"/>
+          <a:chOff x="0" y="0"/>
+          <a:chExt cx="0" cy="0"/>
+        </a:xfrm>
+      </p:grpSpPr>
+      <p:sp>
+        <p:nvSpPr>
+          <p:cNvPr id="2" name="Titre 1"/>
+          <p:cNvSpPr>
+            <a:spLocks noGrp="1"/>
+          </p:cNvSpPr>
+          <p:nvPr>
+            <p:ph type="title"/>
+          </p:nvPr>
+        </p:nvSpPr>
+        <p:spPr/>
+        <p:txBody>
+          <a:bodyPr/>
+          <a:lstStyle/>
+          <a:p>
+            <a:r>
+              <a:rPr lang="fr-FR" dirty="0"/>
               <a:t>Bloc Distribuer</a:t>
             </a:r>
+          </a:p>
+        </p:txBody>
+      </p:sp>
+      <p:sp>
+        <p:nvSpPr>
+          <p:cNvPr id="3" name="Espace réservé du contenu 2"/>
+          <p:cNvSpPr>
+            <a:spLocks noGrp="1"/>
+          </p:cNvSpPr>
+          <p:nvPr>
+            <p:ph idx="1"/>
+          </p:nvPr>
+        </p:nvSpPr>
+        <p:spPr/>
+        <p:txBody>
+          <a:bodyPr/>
+          <a:lstStyle/>
+          <a:p>
+            <a:r>
+              <a:rPr lang="fr-FR" dirty="0"/>
+              <a:t>Hacheur, Relais</a:t>
+            </a:r>
+          </a:p>
+          <a:p>
             <a:endParaRPr lang="fr-FR" dirty="0"/>
           </a:p>
-        </p:txBody>
-      </p:sp>
-      <p:sp>
-        <p:nvSpPr>
-          <p:cNvPr id="3" name="Espace réservé du contenu 2"/>
-          <p:cNvSpPr>
-            <a:spLocks noGrp="1"/>
-          </p:cNvSpPr>
-          <p:nvPr>
-            <p:ph idx="1"/>
-          </p:nvPr>
-        </p:nvSpPr>
-        <p:spPr/>
-        <p:txBody>
-          <a:bodyPr/>
-          <a:lstStyle/>
-          <a:p>
-            <a:r>
-              <a:rPr lang="fr-FR" dirty="0" smtClean="0"/>
-              <a:t>Hacheur, Relais</a:t>
-            </a:r>
-          </a:p>
-          <a:p>
-            <a:endParaRPr lang="fr-FR" dirty="0"/>
-          </a:p>
-          <a:p>
-            <a:r>
-              <a:rPr lang="fr-FR" dirty="0" smtClean="0"/>
+          <a:p>
+            <a:r>
+              <a:rPr lang="fr-FR" dirty="0"/>
               <a:t>Variateur de vitesse</a:t>
             </a:r>
-            <a:endParaRPr lang="fr-FR" dirty="0"/>
           </a:p>
         </p:txBody>
       </p:sp>
